--- a/ppt/Exposició Eva.pptx
+++ b/ppt/Exposició Eva.pptx
@@ -670,8 +670,8 @@
         </p:nvSpPr>
         <p:spPr bwMode="auto">
           <a:xfrm>
-            <a:off x="0" y="-3175"/>
-            <a:ext cx="12192000" cy="5203825"/>
+            <a:off x="0" y="-424235"/>
+            <a:ext cx="12192000" cy="2251075"/>
           </a:xfrm>
           <a:custGeom>
             <a:avLst/>
@@ -740,7 +740,7 @@
           <a:effectLst/>
           <a:extLst>
             <a:ext uri="{91240B29-F687-4f45-9708-019B960494DF}">
-              <a14:hiddenLine xmlns="" xmlns:a14="http://schemas.microsoft.com/office/drawing/2010/main" w="9525">
+              <a14:hiddenLine xmlns:a14="http://schemas.microsoft.com/office/drawing/2010/main" xmlns="" w="9525">
                 <a:solidFill>
                   <a:srgbClr val="000000"/>
                 </a:solidFill>
@@ -779,7 +779,7 @@
         <p:spPr>
           <a:xfrm>
             <a:off x="810001" y="1449147"/>
-            <a:ext cx="10572000" cy="2971051"/>
+            <a:ext cx="8676899" cy="1141653"/>
           </a:xfrm>
         </p:spPr>
         <p:txBody>
@@ -1560,7 +1560,7 @@
           </a:lstStyle>
           <a:p>
             <a:r>
-              <a:rPr lang="es-ES" smtClean="0"/>
+              <a:rPr lang="es-ES" dirty="0" smtClean="0"/>
               <a:t>Haga clic para modificar el estilo de título del patrón</a:t>
             </a:r>
             <a:endParaRPr lang="en-US" dirty="0"/>
@@ -1680,7 +1680,7 @@
           <a:p>
             <a:pPr lvl="0"/>
             <a:r>
-              <a:rPr lang="es-ES" smtClean="0"/>
+              <a:rPr lang="es-ES" dirty="0" smtClean="0"/>
               <a:t>Editar el estilo de texto del patrón</a:t>
             </a:r>
           </a:p>
@@ -2253,7 +2253,7 @@
           <a:ln/>
           <a:extLst>
             <a:ext uri="{91240B29-F687-4f45-9708-019B960494DF}">
-              <a14:hiddenLine xmlns="" xmlns:a14="http://schemas.microsoft.com/office/drawing/2010/main" w="9525">
+              <a14:hiddenLine xmlns:a14="http://schemas.microsoft.com/office/drawing/2010/main" xmlns="" w="9525">
                 <a:solidFill>
                   <a:srgbClr val="000000"/>
                 </a:solidFill>
@@ -2524,7 +2524,7 @@
           <a:ln/>
           <a:extLst>
             <a:ext uri="{91240B29-F687-4f45-9708-019B960494DF}">
-              <a14:hiddenLine xmlns="" xmlns:a14="http://schemas.microsoft.com/office/drawing/2010/main" w="9525">
+              <a14:hiddenLine xmlns:a14="http://schemas.microsoft.com/office/drawing/2010/main" xmlns="" w="9525">
                 <a:solidFill>
                   <a:srgbClr val="000000"/>
                 </a:solidFill>
@@ -2803,7 +2803,7 @@
           <a:ln/>
           <a:extLst>
             <a:ext uri="{91240B29-F687-4f45-9708-019B960494DF}">
-              <a14:hiddenLine xmlns="" xmlns:a14="http://schemas.microsoft.com/office/drawing/2010/main" w="9525">
+              <a14:hiddenLine xmlns:a14="http://schemas.microsoft.com/office/drawing/2010/main" xmlns="" w="9525">
                 <a:solidFill>
                   <a:srgbClr val="000000"/>
                 </a:solidFill>
@@ -3477,7 +3477,7 @@
           <a:ln/>
           <a:extLst>
             <a:ext uri="{91240B29-F687-4f45-9708-019B960494DF}">
-              <a14:hiddenLine xmlns="" xmlns:a14="http://schemas.microsoft.com/office/drawing/2010/main" w="9525">
+              <a14:hiddenLine xmlns:a14="http://schemas.microsoft.com/office/drawing/2010/main" xmlns="" w="9525">
                 <a:solidFill>
                   <a:srgbClr val="000000"/>
                 </a:solidFill>
@@ -3819,7 +3819,7 @@
           <a:ln/>
           <a:extLst>
             <a:ext uri="{91240B29-F687-4f45-9708-019B960494DF}">
-              <a14:hiddenLine xmlns="" xmlns:a14="http://schemas.microsoft.com/office/drawing/2010/main" w="9525">
+              <a14:hiddenLine xmlns:a14="http://schemas.microsoft.com/office/drawing/2010/main" xmlns="" w="9525">
                 <a:solidFill>
                   <a:srgbClr val="000000"/>
                 </a:solidFill>
@@ -4292,7 +4292,7 @@
           <a:ln/>
           <a:extLst>
             <a:ext uri="{91240B29-F687-4f45-9708-019B960494DF}">
-              <a14:hiddenLine xmlns="" xmlns:a14="http://schemas.microsoft.com/office/drawing/2010/main" w="9525">
+              <a14:hiddenLine xmlns:a14="http://schemas.microsoft.com/office/drawing/2010/main" xmlns="" w="9525">
                 <a:solidFill>
                   <a:srgbClr val="000000"/>
                 </a:solidFill>
@@ -4727,7 +4727,7 @@
           <a:ln/>
           <a:extLst>
             <a:ext uri="{91240B29-F687-4f45-9708-019B960494DF}">
-              <a14:hiddenLine xmlns="" xmlns:a14="http://schemas.microsoft.com/office/drawing/2010/main" w="9525">
+              <a14:hiddenLine xmlns:a14="http://schemas.microsoft.com/office/drawing/2010/main" xmlns="" w="9525">
                 <a:solidFill>
                   <a:srgbClr val="000000"/>
                 </a:solidFill>
@@ -5964,7 +5964,12 @@
             <p:ph type="ctrTitle"/>
           </p:nvPr>
         </p:nvSpPr>
-        <p:spPr/>
+        <p:spPr>
+          <a:xfrm>
+            <a:off x="810001" y="483231"/>
+            <a:ext cx="10149920" cy="1141653"/>
+          </a:xfrm>
+        </p:spPr>
         <p:txBody>
           <a:bodyPr/>
           <a:lstStyle/>
@@ -5999,7 +6004,12 @@
             <p:ph type="subTitle" idx="1"/>
           </p:nvPr>
         </p:nvSpPr>
-        <p:spPr/>
+        <p:spPr>
+          <a:xfrm>
+            <a:off x="810001" y="5319484"/>
+            <a:ext cx="10572000" cy="434974"/>
+          </a:xfrm>
+        </p:spPr>
         <p:txBody>
           <a:bodyPr/>
           <a:lstStyle/>
@@ -7231,11 +7241,7 @@
           <a:p>
             <a:r>
               <a:rPr lang="es-ES" dirty="0" smtClean="0"/>
-              <a:t>Dos </a:t>
-            </a:r>
-            <a:r>
-              <a:rPr lang="es-ES" dirty="0" smtClean="0"/>
-              <a:t>casos:</a:t>
+              <a:t>Dos casos:</a:t>
             </a:r>
           </a:p>
           <a:p>
@@ -7281,7 +7287,19 @@
             <a:pPr lvl="1"/>
             <a:r>
               <a:rPr lang="es-ES" dirty="0" smtClean="0"/>
-              <a:t>Turbina no varia</a:t>
+              <a:t>Turbina no </a:t>
+            </a:r>
+            <a:r>
+              <a:rPr lang="es-ES" dirty="0" smtClean="0"/>
+              <a:t>varia respecte </a:t>
+            </a:r>
+            <a:r>
+              <a:rPr lang="es-ES" dirty="0" err="1" smtClean="0"/>
+              <a:t>turbofan</a:t>
+            </a:r>
+            <a:r>
+              <a:rPr lang="es-ES" dirty="0" smtClean="0"/>
+              <a:t>.</a:t>
             </a:r>
             <a:endParaRPr lang="en-GB" dirty="0"/>
           </a:p>
@@ -7455,8 +7473,8 @@
           </a:prstGeom>
         </p:spPr>
       </p:pic>
-      <mc:AlternateContent xmlns:mc="http://schemas.openxmlformats.org/markup-compatibility/2006">
-        <mc:Choice xmlns:a14="http://schemas.microsoft.com/office/drawing/2010/main" Requires="a14">
+      <mc:AlternateContent xmlns:mc="http://schemas.openxmlformats.org/markup-compatibility/2006" xmlns:a14="http://schemas.microsoft.com/office/drawing/2010/main">
+        <mc:Choice Requires="a14">
           <p:sp>
             <p:nvSpPr>
               <p:cNvPr id="11" name="Rectángulo 10"/>
@@ -7555,7 +7573,7 @@
             </p:txBody>
           </p:sp>
         </mc:Choice>
-        <mc:Fallback>
+        <mc:Fallback xmlns="">
           <p:sp>
             <p:nvSpPr>
               <p:cNvPr id="11" name="Rectángulo 10"/>
@@ -7704,7 +7722,7 @@
                         <m:ctrlPr>
                           <a:rPr lang="ca-ES" i="1" smtClean="0">
                             <a:effectLst/>
-                            <a:latin typeface="Cambria Math" panose="02040503050406030204" pitchFamily="18" charset="0"/>
+                            <a:latin typeface="+mj-lt"/>
                           </a:rPr>
                         </m:ctrlPr>
                       </m:sSubPr>
@@ -7712,7 +7730,7 @@
                         <m:r>
                           <a:rPr lang="ca-ES" i="1" smtClean="0">
                             <a:effectLst/>
-                            <a:latin typeface="Cambria Math" panose="02040503050406030204" pitchFamily="18" charset="0"/>
+                            <a:latin typeface="+mj-lt"/>
                             <a:ea typeface="Cambria Math" panose="02040503050406030204" pitchFamily="18" charset="0"/>
                           </a:rPr>
                           <m:t>𝜂</m:t>
@@ -7722,7 +7740,7 @@
                         <m:r>
                           <a:rPr lang="es-ES" b="0" i="1" smtClean="0">
                             <a:effectLst/>
-                            <a:latin typeface="Cambria Math" panose="02040503050406030204" pitchFamily="18" charset="0"/>
+                            <a:latin typeface="+mj-lt"/>
                           </a:rPr>
                           <m:t>𝐴𝐵</m:t>
                         </m:r>
@@ -7731,7 +7749,7 @@
                     <m:r>
                       <a:rPr lang="es-ES" b="0" i="1" smtClean="0">
                         <a:effectLst/>
-                        <a:latin typeface="Cambria Math" panose="02040503050406030204" pitchFamily="18" charset="0"/>
+                        <a:latin typeface="+mj-lt"/>
                       </a:rPr>
                       <m:t>=0.99</m:t>
                     </m:r>
@@ -7740,6 +7758,7 @@
                 <a:r>
                   <a:rPr lang="ca-ES" dirty="0" smtClean="0">
                     <a:effectLst/>
+                    <a:latin typeface="+mj-lt"/>
                   </a:rPr>
                   <a:t>        </a:t>
                 </a:r>
@@ -7750,7 +7769,7 @@
                         <m:ctrlPr>
                           <a:rPr lang="ca-ES" i="1" dirty="0" smtClean="0">
                             <a:effectLst/>
-                            <a:latin typeface="Cambria Math" panose="02040503050406030204" pitchFamily="18" charset="0"/>
+                            <a:latin typeface="+mj-lt"/>
                           </a:rPr>
                         </m:ctrlPr>
                       </m:sSubPr>
@@ -7758,7 +7777,7 @@
                         <m:r>
                           <a:rPr lang="es-ES" b="0" i="1" dirty="0" smtClean="0">
                             <a:effectLst/>
-                            <a:latin typeface="Cambria Math" panose="02040503050406030204" pitchFamily="18" charset="0"/>
+                            <a:latin typeface="+mj-lt"/>
                           </a:rPr>
                           <m:t>𝑇</m:t>
                         </m:r>
@@ -7767,14 +7786,14 @@
                         <m:r>
                           <a:rPr lang="es-ES" b="0" i="1" dirty="0" smtClean="0">
                             <a:effectLst/>
-                            <a:latin typeface="Cambria Math" panose="02040503050406030204" pitchFamily="18" charset="0"/>
+                            <a:latin typeface="+mj-lt"/>
                           </a:rPr>
                           <m:t>𝑡</m:t>
                         </m:r>
                         <m:r>
                           <a:rPr lang="es-ES" b="0" i="1" dirty="0" smtClean="0">
                             <a:effectLst/>
-                            <a:latin typeface="Cambria Math" panose="02040503050406030204" pitchFamily="18" charset="0"/>
+                            <a:latin typeface="+mj-lt"/>
                           </a:rPr>
                           <m:t>7</m:t>
                         </m:r>
@@ -7783,14 +7802,14 @@
                     <m:r>
                       <a:rPr lang="es-ES" b="0" i="1" dirty="0" smtClean="0">
                         <a:effectLst/>
-                        <a:latin typeface="Cambria Math" panose="02040503050406030204" pitchFamily="18" charset="0"/>
+                        <a:latin typeface="+mj-lt"/>
                       </a:rPr>
                       <m:t>=2400 </m:t>
                     </m:r>
                     <m:r>
                       <a:rPr lang="es-ES" b="0" i="1" dirty="0" smtClean="0">
                         <a:effectLst/>
-                        <a:latin typeface="Cambria Math" panose="02040503050406030204" pitchFamily="18" charset="0"/>
+                        <a:latin typeface="+mj-lt"/>
                       </a:rPr>
                       <m:t>𝐾</m:t>
                     </m:r>
@@ -7798,6 +7817,7 @@
                 </a14:m>
                 <a:endParaRPr lang="ca-ES" dirty="0">
                   <a:effectLst/>
+                  <a:latin typeface="+mj-lt"/>
                 </a:endParaRPr>
               </a:p>
             </p:txBody>
